--- a/pitch/enchancedPP.pptx
+++ b/pitch/enchancedPP.pptx
@@ -9516,7 +9516,7 @@
               <a:rPr lang="da-DK" sz="6000" b="0" cap="none" dirty="0">
                 <a:latin typeface="AU Passata Light" panose="020B0303030902030804" pitchFamily="34" charset="77"/>
               </a:rPr>
-              <a:t>Image Caption Neural Network Model (ICNNM)</a:t>
+              <a:t>Image Caption Deep Neural Network Model (ICDNNM)</a:t>
             </a:r>
             <a:endParaRPr lang="da-DK" dirty="0"/>
           </a:p>
@@ -9593,6 +9593,139 @@
           <a:bodyPr/>
           <a:lstStyle/>
           <a:p>
+            <a:pPr marL="342900" indent="-342900">
+              <a:buFont typeface="Arial" panose="020B0604020202020204" pitchFamily="34" charset="0"/>
+              <a:buChar char="•"/>
+            </a:pPr>
+            <a:r>
+              <a:rPr lang="da-DK" dirty="0"/>
+              <a:t>Lots of </a:t>
+            </a:r>
+            <a:r>
+              <a:rPr lang="da-DK" dirty="0" err="1"/>
+              <a:t>literature</a:t>
+            </a:r>
+            <a:r>
+              <a:rPr lang="da-DK" dirty="0"/>
+              <a:t> on </a:t>
+            </a:r>
+            <a:r>
+              <a:rPr lang="da-DK" dirty="0" err="1"/>
+              <a:t>caption</a:t>
+            </a:r>
+            <a:r>
+              <a:rPr lang="da-DK" dirty="0"/>
+              <a:t> to image models</a:t>
+            </a:r>
+          </a:p>
+          <a:p>
+            <a:pPr marL="342900" indent="-342900">
+              <a:buFont typeface="Arial" panose="020B0604020202020204" pitchFamily="34" charset="0"/>
+              <a:buChar char="•"/>
+            </a:pPr>
+            <a:r>
+              <a:rPr lang="da-DK" dirty="0" err="1"/>
+              <a:t>Turn</a:t>
+            </a:r>
+            <a:r>
+              <a:rPr lang="da-DK" dirty="0"/>
+              <a:t> it </a:t>
+            </a:r>
+            <a:r>
+              <a:rPr lang="da-DK" dirty="0" err="1"/>
+              <a:t>around</a:t>
+            </a:r>
+            <a:r>
+              <a:rPr lang="da-DK" dirty="0"/>
+              <a:t> and </a:t>
+            </a:r>
+            <a:r>
+              <a:rPr lang="da-DK" dirty="0" err="1"/>
+              <a:t>make</a:t>
+            </a:r>
+            <a:r>
+              <a:rPr lang="da-DK" dirty="0"/>
+              <a:t> image to </a:t>
+            </a:r>
+            <a:r>
+              <a:rPr lang="da-DK" dirty="0" err="1"/>
+              <a:t>caption</a:t>
+            </a:r>
+            <a:r>
+              <a:rPr lang="da-DK" dirty="0"/>
+              <a:t> model</a:t>
+            </a:r>
+          </a:p>
+          <a:p>
+            <a:pPr marL="342900" indent="-342900">
+              <a:buFont typeface="Arial" panose="020B0604020202020204" pitchFamily="34" charset="0"/>
+              <a:buChar char="•"/>
+            </a:pPr>
+            <a:r>
+              <a:rPr lang="da-DK" dirty="0" err="1"/>
+              <a:t>Exciting</a:t>
+            </a:r>
+            <a:r>
+              <a:rPr lang="da-DK" dirty="0"/>
+              <a:t> mix of R-CNN model with </a:t>
+            </a:r>
+            <a:r>
+              <a:rPr lang="da-DK" dirty="0" err="1"/>
+              <a:t>Autoencoder</a:t>
+            </a:r>
+            <a:r>
+              <a:rPr lang="da-DK" dirty="0"/>
+              <a:t> model</a:t>
+            </a:r>
+          </a:p>
+          <a:p>
+            <a:pPr marL="342900" indent="-342900">
+              <a:buFont typeface="Arial" panose="020B0604020202020204" pitchFamily="34" charset="0"/>
+              <a:buChar char="•"/>
+            </a:pPr>
+            <a:r>
+              <a:rPr lang="da-DK" dirty="0" err="1"/>
+              <a:t>Possibly</a:t>
+            </a:r>
+            <a:r>
+              <a:rPr lang="da-DK" dirty="0"/>
+              <a:t> </a:t>
+            </a:r>
+            <a:r>
+              <a:rPr lang="da-DK" dirty="0" err="1"/>
+              <a:t>beneficial</a:t>
+            </a:r>
+            <a:r>
+              <a:rPr lang="da-DK" dirty="0"/>
+              <a:t> to blind </a:t>
+            </a:r>
+            <a:r>
+              <a:rPr lang="da-DK" dirty="0" err="1"/>
+              <a:t>people</a:t>
+            </a:r>
+            <a:r>
+              <a:rPr lang="da-DK" dirty="0"/>
+              <a:t>?</a:t>
+            </a:r>
+          </a:p>
+          <a:p>
+            <a:pPr marL="342900" indent="-342900">
+              <a:buFont typeface="Arial" panose="020B0604020202020204" pitchFamily="34" charset="0"/>
+              <a:buChar char="•"/>
+            </a:pPr>
+            <a:r>
+              <a:rPr lang="da-DK" dirty="0"/>
+              <a:t>List go on..</a:t>
+            </a:r>
+          </a:p>
+          <a:p>
+            <a:pPr marL="342900" indent="-342900">
+              <a:buFont typeface="Arial" panose="020B0604020202020204" pitchFamily="34" charset="0"/>
+              <a:buChar char="•"/>
+            </a:pPr>
+            <a:endParaRPr lang="da-DK" dirty="0"/>
+          </a:p>
+          <a:p>
             <a:endParaRPr lang="da-DK" dirty="0"/>
           </a:p>
         </p:txBody>
@@ -9672,6 +9805,128 @@
           <a:bodyPr/>
           <a:lstStyle/>
           <a:p>
+            <a:pPr marL="342900" indent="-342900" rtl="0">
+              <a:buFont typeface="Arial" panose="020B0604020202020204" pitchFamily="34" charset="0"/>
+              <a:buChar char="•"/>
+            </a:pPr>
+            <a:r>
+              <a:rPr lang="en-US" dirty="0"/>
+              <a:t>1 GB of image data </a:t>
+            </a:r>
+          </a:p>
+          <a:p>
+            <a:pPr marL="342900" indent="-342900">
+              <a:buFont typeface="Arial" panose="020B0604020202020204" pitchFamily="34" charset="0"/>
+              <a:buChar char="•"/>
+            </a:pPr>
+            <a:r>
+              <a:rPr lang="en-US" dirty="0"/>
+              <a:t>8.091 images in total</a:t>
+            </a:r>
+          </a:p>
+          <a:p>
+            <a:pPr marL="342900" indent="-342900" rtl="0">
+              <a:buFont typeface="Arial" panose="020B0604020202020204" pitchFamily="34" charset="0"/>
+              <a:buChar char="•"/>
+            </a:pPr>
+            <a:r>
+              <a:rPr lang="da-DK" dirty="0" err="1"/>
+              <a:t>Different</a:t>
+            </a:r>
+            <a:r>
+              <a:rPr lang="da-DK" dirty="0"/>
+              <a:t> </a:t>
+            </a:r>
+            <a:r>
+              <a:rPr lang="da-DK" dirty="0" err="1"/>
+              <a:t>sizes</a:t>
+            </a:r>
+            <a:r>
+              <a:rPr lang="da-DK" dirty="0"/>
+              <a:t> of the images</a:t>
+            </a:r>
+          </a:p>
+          <a:p>
+            <a:pPr marL="342900" indent="-342900" rtl="0">
+              <a:buFont typeface="Arial" panose="020B0604020202020204" pitchFamily="34" charset="0"/>
+              <a:buChar char="•"/>
+            </a:pPr>
+            <a:r>
+              <a:rPr lang="da-DK" dirty="0"/>
+              <a:t>5 </a:t>
+            </a:r>
+            <a:r>
+              <a:rPr lang="da-DK" dirty="0" err="1"/>
+              <a:t>different</a:t>
+            </a:r>
+            <a:r>
+              <a:rPr lang="da-DK" dirty="0"/>
+              <a:t> </a:t>
+            </a:r>
+            <a:r>
+              <a:rPr lang="da-DK" dirty="0" err="1"/>
+              <a:t>captions</a:t>
+            </a:r>
+            <a:r>
+              <a:rPr lang="da-DK" dirty="0"/>
+              <a:t> for </a:t>
+            </a:r>
+            <a:r>
+              <a:rPr lang="da-DK" dirty="0" err="1"/>
+              <a:t>every</a:t>
+            </a:r>
+            <a:r>
+              <a:rPr lang="da-DK" dirty="0"/>
+              <a:t> image (= </a:t>
+            </a:r>
+            <a:r>
+              <a:rPr lang="da-DK" dirty="0" err="1"/>
+              <a:t>equals</a:t>
+            </a:r>
+            <a:r>
+              <a:rPr lang="da-DK" dirty="0"/>
+              <a:t> 40.460 </a:t>
+            </a:r>
+            <a:r>
+              <a:rPr lang="da-DK" dirty="0" err="1"/>
+              <a:t>captions</a:t>
+            </a:r>
+            <a:r>
+              <a:rPr lang="da-DK" dirty="0"/>
+              <a:t> in total)</a:t>
+            </a:r>
+          </a:p>
+          <a:p>
+            <a:pPr marL="342900" indent="-342900" rtl="0">
+              <a:buFont typeface="Arial" panose="020B0604020202020204" pitchFamily="34" charset="0"/>
+              <a:buChar char="•"/>
+            </a:pPr>
+            <a:r>
+              <a:rPr lang="da-DK" dirty="0"/>
+              <a:t>(Data </a:t>
+            </a:r>
+            <a:r>
+              <a:rPr lang="da-DK" dirty="0" err="1"/>
+              <a:t>description</a:t>
+            </a:r>
+            <a:r>
+              <a:rPr lang="da-DK" dirty="0"/>
+              <a:t> i </a:t>
+            </a:r>
+            <a:r>
+              <a:rPr lang="da-DK" dirty="0" err="1"/>
+              <a:t>python</a:t>
+            </a:r>
+            <a:r>
+              <a:rPr lang="da-DK" dirty="0"/>
+              <a:t>)</a:t>
+            </a:r>
+          </a:p>
+          <a:p>
+            <a:pPr rtl="0"/>
+            <a:endParaRPr lang="da-DK" dirty="0"/>
+          </a:p>
+          <a:p>
             <a:endParaRPr lang="da-DK" dirty="0"/>
           </a:p>
         </p:txBody>
@@ -9763,7 +10018,21 @@
           <a:bodyPr/>
           <a:lstStyle/>
           <a:p>
-            <a:endParaRPr lang="da-DK"/>
+            <a:r>
+              <a:rPr lang="da-DK" dirty="0"/>
+              <a:t>*indsæt flot billede tegnet af </a:t>
+            </a:r>
+            <a:r>
+              <a:rPr lang="da-DK" dirty="0" err="1"/>
+              <a:t>Simsefar</a:t>
+            </a:r>
+            <a:r>
+              <a:rPr lang="da-DK" dirty="0"/>
+              <a:t>*</a:t>
+            </a:r>
+          </a:p>
+          <a:p>
+            <a:endParaRPr lang="da-DK" dirty="0"/>
           </a:p>
         </p:txBody>
       </p:sp>
@@ -9800,6 +10069,42 @@
           </a:p>
         </p:txBody>
       </p:sp>
+      <p:pic>
+        <p:nvPicPr>
+          <p:cNvPr id="6" name="Billede 5">
+            <a:extLst>
+              <a:ext uri="{FF2B5EF4-FFF2-40B4-BE49-F238E27FC236}">
+                <a16:creationId xmlns:a16="http://schemas.microsoft.com/office/drawing/2014/main" id="{AE2CEB7B-99F7-A9D2-56FE-30CADC9A05D1}"/>
+              </a:ext>
+            </a:extLst>
+          </p:cNvPr>
+          <p:cNvPicPr>
+            <a:picLocks noChangeAspect="1"/>
+          </p:cNvPicPr>
+          <p:nvPr/>
+        </p:nvPicPr>
+        <p:blipFill>
+          <a:blip r:embed="rId2">
+            <a:extLst>
+              <a:ext uri="{28A0092B-C50C-407E-A947-70E740481C1C}">
+                <a14:useLocalDpi xmlns:a14="http://schemas.microsoft.com/office/drawing/2010/main" val="0"/>
+              </a:ext>
+            </a:extLst>
+          </a:blip>
+          <a:stretch>
+            <a:fillRect/>
+          </a:stretch>
+        </p:blipFill>
+        <p:spPr>
+          <a:xfrm>
+            <a:off x="2133972" y="1778031"/>
+            <a:ext cx="8152025" cy="4521367"/>
+          </a:xfrm>
+          <a:prstGeom prst="rect">
+            <a:avLst/>
+          </a:prstGeom>
+        </p:spPr>
+      </p:pic>
     </p:spTree>
     <p:extLst>
       <p:ext uri="{BB962C8B-B14F-4D97-AF65-F5344CB8AC3E}">
@@ -9888,7 +10193,37 @@
           <a:bodyPr/>
           <a:lstStyle/>
           <a:p>
-            <a:endParaRPr lang="da-DK"/>
+            <a:r>
+              <a:rPr lang="da-DK" dirty="0"/>
+              <a:t>Training the R-CNN by </a:t>
+            </a:r>
+            <a:r>
+              <a:rPr lang="da-DK" dirty="0" err="1"/>
+              <a:t>ourselves</a:t>
+            </a:r>
+            <a:r>
+              <a:rPr lang="da-DK" dirty="0"/>
+              <a:t>. </a:t>
+            </a:r>
+          </a:p>
+          <a:p>
+            <a:endParaRPr lang="da-DK" dirty="0"/>
+          </a:p>
+          <a:p>
+            <a:r>
+              <a:rPr lang="da-DK" dirty="0" err="1"/>
+              <a:t>Enough</a:t>
+            </a:r>
+            <a:r>
+              <a:rPr lang="da-DK" dirty="0"/>
+              <a:t> data?</a:t>
+            </a:r>
+          </a:p>
+          <a:p>
+            <a:endParaRPr lang="da-DK" dirty="0"/>
+          </a:p>
+          <a:p>
+            <a:endParaRPr lang="da-DK" dirty="0"/>
           </a:p>
         </p:txBody>
       </p:sp>
@@ -10009,7 +10344,30 @@
           <a:bodyPr/>
           <a:lstStyle/>
           <a:p>
-            <a:endParaRPr lang="da-DK"/>
+            <a:r>
+              <a:rPr lang="da-DK" dirty="0" err="1"/>
+              <a:t>Create</a:t>
+            </a:r>
+            <a:r>
+              <a:rPr lang="da-DK" dirty="0"/>
+              <a:t> the </a:t>
+            </a:r>
+            <a:r>
+              <a:rPr lang="da-DK" dirty="0" err="1"/>
+              <a:t>state</a:t>
+            </a:r>
+            <a:r>
+              <a:rPr lang="da-DK" dirty="0"/>
+              <a:t> of the art image-to-</a:t>
+            </a:r>
+            <a:r>
+              <a:rPr lang="da-DK" dirty="0" err="1"/>
+              <a:t>caption</a:t>
+            </a:r>
+            <a:r>
+              <a:rPr lang="da-DK" dirty="0"/>
+              <a:t> model</a:t>
+            </a:r>
           </a:p>
         </p:txBody>
       </p:sp>

--- a/pitch/enchancedPP.pptx
+++ b/pitch/enchancedPP.pptx
@@ -9615,7 +9615,7 @@
             </a:r>
             <a:r>
               <a:rPr lang="da-DK" dirty="0"/>
-              <a:t> to image models</a:t>
+              <a:t>-to-image models</a:t>
             </a:r>
           </a:p>
           <a:p>
@@ -9645,7 +9645,7 @@
             </a:r>
             <a:r>
               <a:rPr lang="da-DK" dirty="0"/>
-              <a:t> image to </a:t>
+              <a:t> image-to-</a:t>
             </a:r>
             <a:r>
               <a:rPr lang="da-DK" dirty="0" err="1"/>
@@ -9705,7 +9705,7 @@
             </a:r>
             <a:r>
               <a:rPr lang="da-DK" dirty="0"/>
-              <a:t>?</a:t>
+              <a:t>. </a:t>
             </a:r>
           </a:p>
           <a:p>
@@ -9715,7 +9715,54 @@
             </a:pPr>
             <a:r>
               <a:rPr lang="da-DK" dirty="0"/>
-              <a:t>List go on..</a:t>
+              <a:t>All kinds of </a:t>
+            </a:r>
+            <a:r>
+              <a:rPr lang="da-DK" dirty="0" err="1"/>
+              <a:t>captions</a:t>
+            </a:r>
+            <a:r>
+              <a:rPr lang="da-DK" dirty="0"/>
+              <a:t> for website-images </a:t>
+            </a:r>
+            <a:r>
+              <a:rPr lang="da-DK" dirty="0" err="1"/>
+              <a:t>can</a:t>
+            </a:r>
+            <a:r>
+              <a:rPr lang="da-DK" dirty="0"/>
+              <a:t> </a:t>
+            </a:r>
+            <a:r>
+              <a:rPr lang="da-DK" dirty="0" err="1"/>
+              <a:t>be</a:t>
+            </a:r>
+            <a:r>
+              <a:rPr lang="da-DK" dirty="0"/>
+              <a:t> </a:t>
+            </a:r>
+            <a:r>
+              <a:rPr lang="da-DK" dirty="0" err="1"/>
+              <a:t>automized</a:t>
+            </a:r>
+            <a:endParaRPr lang="da-DK" dirty="0"/>
+          </a:p>
+          <a:p>
+            <a:pPr marL="342900" indent="-342900">
+              <a:buFont typeface="Arial" panose="020B0604020202020204" pitchFamily="34" charset="0"/>
+              <a:buChar char="•"/>
+            </a:pPr>
+            <a:r>
+              <a:rPr lang="da-DK" dirty="0"/>
+              <a:t>List </a:t>
+            </a:r>
+            <a:r>
+              <a:rPr lang="da-DK" dirty="0" err="1"/>
+              <a:t>goes</a:t>
+            </a:r>
+            <a:r>
+              <a:rPr lang="da-DK" dirty="0"/>
+              <a:t> on..</a:t>
             </a:r>
           </a:p>
           <a:p>
@@ -9927,10 +9974,44 @@
             <a:endParaRPr lang="da-DK" dirty="0"/>
           </a:p>
           <a:p>
+            <a:pPr rtl="0"/>
             <a:endParaRPr lang="da-DK" dirty="0"/>
           </a:p>
-        </p:txBody>
-      </p:sp>
+          <a:p>
+            <a:endParaRPr lang="da-DK" dirty="0"/>
+          </a:p>
+        </p:txBody>
+      </p:sp>
+      <p:pic>
+        <p:nvPicPr>
+          <p:cNvPr id="3" name="Billede 2">
+            <a:extLst>
+              <a:ext uri="{FF2B5EF4-FFF2-40B4-BE49-F238E27FC236}">
+                <a16:creationId xmlns:a16="http://schemas.microsoft.com/office/drawing/2014/main" id="{74A9EDDF-A139-968F-D194-5912C614787D}"/>
+              </a:ext>
+            </a:extLst>
+          </p:cNvPr>
+          <p:cNvPicPr>
+            <a:picLocks noChangeAspect="1"/>
+          </p:cNvPicPr>
+          <p:nvPr/>
+        </p:nvPicPr>
+        <p:blipFill>
+          <a:blip r:embed="rId4"/>
+          <a:stretch>
+            <a:fillRect/>
+          </a:stretch>
+        </p:blipFill>
+        <p:spPr>
+          <a:xfrm>
+            <a:off x="1413892" y="3356992"/>
+            <a:ext cx="3032513" cy="3032513"/>
+          </a:xfrm>
+          <a:prstGeom prst="rect">
+            <a:avLst/>
+          </a:prstGeom>
+        </p:spPr>
+      </p:pic>
     </p:spTree>
     <p:custDataLst>
       <p:tags r:id="rId1"/>
@@ -10018,20 +10099,9 @@
           <a:bodyPr/>
           <a:lstStyle/>
           <a:p>
-            <a:r>
-              <a:rPr lang="da-DK" dirty="0"/>
-              <a:t>*indsæt flot billede tegnet af </a:t>
-            </a:r>
-            <a:r>
-              <a:rPr lang="da-DK" dirty="0" err="1"/>
-              <a:t>Simsefar</a:t>
-            </a:r>
-            <a:r>
-              <a:rPr lang="da-DK" dirty="0"/>
-              <a:t>*</a:t>
-            </a:r>
-          </a:p>
-          <a:p>
+            <a:pPr>
+              <a:buNone/>
+            </a:pPr>
             <a:endParaRPr lang="da-DK" dirty="0"/>
           </a:p>
         </p:txBody>
@@ -10097,7 +10167,7 @@
         </p:blipFill>
         <p:spPr>
           <a:xfrm>
-            <a:off x="2133972" y="1778031"/>
+            <a:off x="1485900" y="1764958"/>
             <a:ext cx="8152025" cy="4521367"/>
           </a:xfrm>
           <a:prstGeom prst="rect">
@@ -10193,6 +10263,10 @@
           <a:bodyPr/>
           <a:lstStyle/>
           <a:p>
+            <a:pPr marL="457200" indent="-457200">
+              <a:buFont typeface="Arial" panose="020B0604020202020204" pitchFamily="34" charset="0"/>
+              <a:buChar char="•"/>
+            </a:pPr>
             <a:r>
               <a:rPr lang="da-DK" dirty="0"/>
               <a:t>Training the R-CNN by </a:t>
@@ -10203,13 +10277,127 @@
             </a:r>
             <a:r>
               <a:rPr lang="da-DK" dirty="0"/>
-              <a:t>. </a:t>
-            </a:r>
-          </a:p>
-          <a:p>
+              <a:t> -&gt; </a:t>
+            </a:r>
+            <a:r>
+              <a:rPr lang="da-DK" dirty="0" err="1"/>
+              <a:t>finetuning</a:t>
+            </a:r>
+            <a:r>
+              <a:rPr lang="da-DK" dirty="0"/>
+              <a:t> </a:t>
+            </a:r>
+            <a:r>
+              <a:rPr lang="da-DK" dirty="0" err="1"/>
+              <a:t>existing</a:t>
+            </a:r>
+            <a:r>
+              <a:rPr lang="da-DK" dirty="0"/>
+              <a:t> CNN </a:t>
+            </a:r>
+            <a:r>
+              <a:rPr lang="da-DK" dirty="0" err="1"/>
+              <a:t>instead</a:t>
+            </a:r>
             <a:endParaRPr lang="da-DK" dirty="0"/>
           </a:p>
           <a:p>
+            <a:pPr marL="457200" indent="-457200">
+              <a:buFont typeface="Arial" panose="020B0604020202020204" pitchFamily="34" charset="0"/>
+              <a:buChar char="•"/>
+            </a:pPr>
+            <a:endParaRPr lang="da-DK" dirty="0"/>
+          </a:p>
+          <a:p>
+            <a:pPr marL="457200" indent="-457200">
+              <a:buFont typeface="Arial" panose="020B0604020202020204" pitchFamily="34" charset="0"/>
+              <a:buChar char="•"/>
+            </a:pPr>
+            <a:r>
+              <a:rPr lang="da-DK" dirty="0"/>
+              <a:t>How to </a:t>
+            </a:r>
+            <a:r>
+              <a:rPr lang="da-DK" dirty="0" err="1"/>
+              <a:t>evaluate</a:t>
+            </a:r>
+            <a:r>
+              <a:rPr lang="da-DK" dirty="0"/>
+              <a:t> performance? </a:t>
+            </a:r>
+            <a:r>
+              <a:rPr lang="da-DK" dirty="0" err="1"/>
+              <a:t>Weighting</a:t>
+            </a:r>
+            <a:r>
+              <a:rPr lang="da-DK" dirty="0"/>
+              <a:t> of </a:t>
+            </a:r>
+            <a:r>
+              <a:rPr lang="da-DK" dirty="0" err="1"/>
+              <a:t>certain</a:t>
+            </a:r>
+            <a:r>
+              <a:rPr lang="da-DK" dirty="0"/>
+              <a:t> </a:t>
+            </a:r>
+            <a:r>
+              <a:rPr lang="da-DK" dirty="0" err="1"/>
+              <a:t>words</a:t>
+            </a:r>
+            <a:r>
+              <a:rPr lang="da-DK" dirty="0"/>
+              <a:t>?</a:t>
+            </a:r>
+          </a:p>
+          <a:p>
+            <a:pPr marL="457200" indent="-457200">
+              <a:buFont typeface="Arial" panose="020B0604020202020204" pitchFamily="34" charset="0"/>
+              <a:buChar char="•"/>
+            </a:pPr>
+            <a:endParaRPr lang="da-DK" dirty="0"/>
+          </a:p>
+          <a:p>
+            <a:pPr marL="457200" indent="-457200">
+              <a:buFont typeface="Arial" panose="020B0604020202020204" pitchFamily="34" charset="0"/>
+              <a:buChar char="•"/>
+            </a:pPr>
+            <a:r>
+              <a:rPr lang="da-DK" dirty="0" err="1"/>
+              <a:t>Possible</a:t>
+            </a:r>
+            <a:r>
+              <a:rPr lang="da-DK" dirty="0"/>
+              <a:t> </a:t>
+            </a:r>
+            <a:r>
+              <a:rPr lang="da-DK" dirty="0" err="1"/>
+              <a:t>biases</a:t>
+            </a:r>
+            <a:r>
+              <a:rPr lang="da-DK" dirty="0"/>
+              <a:t> of </a:t>
+            </a:r>
+            <a:r>
+              <a:rPr lang="da-DK" dirty="0" err="1"/>
+              <a:t>our</a:t>
+            </a:r>
+            <a:r>
+              <a:rPr lang="da-DK" dirty="0"/>
+              <a:t> model?</a:t>
+            </a:r>
+          </a:p>
+          <a:p>
+            <a:pPr>
+              <a:buNone/>
+            </a:pPr>
+            <a:endParaRPr lang="da-DK" dirty="0"/>
+          </a:p>
+          <a:p>
+            <a:pPr marL="457200" indent="-457200">
+              <a:buFont typeface="Arial" panose="020B0604020202020204" pitchFamily="34" charset="0"/>
+              <a:buChar char="•"/>
+            </a:pPr>
             <a:r>
               <a:rPr lang="da-DK" dirty="0" err="1"/>
               <a:t>Enough</a:t>
@@ -10218,6 +10406,55 @@
               <a:rPr lang="da-DK" dirty="0"/>
               <a:t> data?</a:t>
             </a:r>
+          </a:p>
+          <a:p>
+            <a:pPr>
+              <a:buNone/>
+            </a:pPr>
+            <a:endParaRPr lang="da-DK" dirty="0"/>
+          </a:p>
+          <a:p>
+            <a:pPr marL="457200" indent="-457200">
+              <a:buFont typeface="Arial" panose="020B0604020202020204" pitchFamily="34" charset="0"/>
+              <a:buChar char="•"/>
+            </a:pPr>
+            <a:r>
+              <a:rPr lang="da-DK" dirty="0"/>
+              <a:t>The time </a:t>
+            </a:r>
+            <a:r>
+              <a:rPr lang="da-DK" dirty="0" err="1"/>
+              <a:t>spent</a:t>
+            </a:r>
+            <a:r>
+              <a:rPr lang="da-DK" dirty="0"/>
+              <a:t> to </a:t>
+            </a:r>
+            <a:r>
+              <a:rPr lang="da-DK" dirty="0" err="1"/>
+              <a:t>train</a:t>
+            </a:r>
+            <a:r>
+              <a:rPr lang="da-DK" dirty="0"/>
+              <a:t> model? Cluster </a:t>
+            </a:r>
+            <a:r>
+              <a:rPr lang="da-DK" dirty="0" err="1"/>
+              <a:t>PC’s</a:t>
+            </a:r>
+            <a:r>
+              <a:rPr lang="da-DK" dirty="0"/>
+              <a:t> on AU-campus</a:t>
+            </a:r>
+          </a:p>
+          <a:p>
+            <a:endParaRPr lang="da-DK" dirty="0"/>
+          </a:p>
+          <a:p>
+            <a:endParaRPr lang="da-DK" dirty="0"/>
+          </a:p>
+          <a:p>
+            <a:endParaRPr lang="da-DK" dirty="0"/>
           </a:p>
           <a:p>
             <a:endParaRPr lang="da-DK" dirty="0"/>
@@ -10344,6 +10581,10 @@
           <a:bodyPr/>
           <a:lstStyle/>
           <a:p>
+            <a:pPr marL="342900" indent="-342900">
+              <a:buFont typeface="Arial" panose="020B0604020202020204" pitchFamily="34" charset="0"/>
+              <a:buChar char="•"/>
+            </a:pPr>
             <a:r>
               <a:rPr lang="da-DK" dirty="0" err="1"/>
               <a:t>Create</a:t>
@@ -10368,6 +10609,164 @@
               <a:rPr lang="da-DK" dirty="0"/>
               <a:t> model</a:t>
             </a:r>
+          </a:p>
+          <a:p>
+            <a:pPr>
+              <a:buNone/>
+            </a:pPr>
+            <a:endParaRPr lang="da-DK" dirty="0"/>
+          </a:p>
+          <a:p>
+            <a:pPr marL="342900" indent="-342900">
+              <a:buFont typeface="Arial" panose="020B0604020202020204" pitchFamily="34" charset="0"/>
+              <a:buChar char="•"/>
+            </a:pPr>
+            <a:endParaRPr lang="da-DK" dirty="0"/>
+          </a:p>
+          <a:p>
+            <a:pPr marL="342900" indent="-342900">
+              <a:buFont typeface="Arial" panose="020B0604020202020204" pitchFamily="34" charset="0"/>
+              <a:buChar char="•"/>
+            </a:pPr>
+            <a:r>
+              <a:rPr lang="da-DK" dirty="0" err="1"/>
+              <a:t>Publish</a:t>
+            </a:r>
+            <a:r>
+              <a:rPr lang="da-DK" dirty="0"/>
+              <a:t> on </a:t>
+            </a:r>
+            <a:r>
+              <a:rPr lang="da-DK" dirty="0" err="1"/>
+              <a:t>Github</a:t>
+            </a:r>
+            <a:r>
+              <a:rPr lang="da-DK" dirty="0"/>
+              <a:t> for </a:t>
+            </a:r>
+            <a:r>
+              <a:rPr lang="da-DK" dirty="0" err="1"/>
+              <a:t>other</a:t>
+            </a:r>
+            <a:r>
+              <a:rPr lang="da-DK" dirty="0"/>
+              <a:t> </a:t>
+            </a:r>
+            <a:r>
+              <a:rPr lang="da-DK" dirty="0" err="1"/>
+              <a:t>people</a:t>
+            </a:r>
+            <a:r>
+              <a:rPr lang="da-DK" dirty="0"/>
+              <a:t> to </a:t>
+            </a:r>
+            <a:r>
+              <a:rPr lang="da-DK" dirty="0" err="1"/>
+              <a:t>see</a:t>
+            </a:r>
+            <a:endParaRPr lang="da-DK" dirty="0"/>
+          </a:p>
+          <a:p>
+            <a:pPr marL="342900" indent="-342900">
+              <a:buFont typeface="Arial" panose="020B0604020202020204" pitchFamily="34" charset="0"/>
+              <a:buChar char="•"/>
+            </a:pPr>
+            <a:endParaRPr lang="da-DK" dirty="0"/>
+          </a:p>
+          <a:p>
+            <a:pPr marL="342900" indent="-342900">
+              <a:buFont typeface="Arial" panose="020B0604020202020204" pitchFamily="34" charset="0"/>
+              <a:buChar char="•"/>
+            </a:pPr>
+            <a:endParaRPr lang="da-DK" dirty="0"/>
+          </a:p>
+          <a:p>
+            <a:pPr marL="342900" indent="-342900">
+              <a:buFont typeface="Arial" panose="020B0604020202020204" pitchFamily="34" charset="0"/>
+              <a:buChar char="•"/>
+            </a:pPr>
+            <a:r>
+              <a:rPr lang="da-DK" dirty="0" err="1"/>
+              <a:t>Compare</a:t>
+            </a:r>
+            <a:r>
+              <a:rPr lang="da-DK" dirty="0"/>
+              <a:t> with </a:t>
+            </a:r>
+            <a:r>
+              <a:rPr lang="da-DK" dirty="0" err="1"/>
+              <a:t>similar</a:t>
+            </a:r>
+            <a:r>
+              <a:rPr lang="da-DK" dirty="0"/>
+              <a:t> models in the </a:t>
+            </a:r>
+            <a:r>
+              <a:rPr lang="da-DK" dirty="0" err="1"/>
+              <a:t>existing</a:t>
+            </a:r>
+            <a:r>
+              <a:rPr lang="da-DK" dirty="0"/>
+              <a:t> </a:t>
+            </a:r>
+            <a:r>
+              <a:rPr lang="da-DK" dirty="0" err="1"/>
+              <a:t>literature</a:t>
+            </a:r>
+            <a:endParaRPr lang="da-DK" dirty="0"/>
+          </a:p>
+          <a:p>
+            <a:pPr marL="342900" indent="-342900">
+              <a:buFont typeface="Arial" panose="020B0604020202020204" pitchFamily="34" charset="0"/>
+              <a:buChar char="•"/>
+            </a:pPr>
+            <a:endParaRPr lang="da-DK" dirty="0"/>
+          </a:p>
+          <a:p>
+            <a:pPr marL="342900" indent="-342900">
+              <a:buFont typeface="Arial" panose="020B0604020202020204" pitchFamily="34" charset="0"/>
+              <a:buChar char="•"/>
+            </a:pPr>
+            <a:endParaRPr lang="da-DK" dirty="0"/>
+          </a:p>
+          <a:p>
+            <a:pPr marL="342900" indent="-342900">
+              <a:buFont typeface="Arial" panose="020B0604020202020204" pitchFamily="34" charset="0"/>
+              <a:buChar char="•"/>
+            </a:pPr>
+            <a:r>
+              <a:rPr lang="da-DK" dirty="0"/>
+              <a:t>Test it on </a:t>
+            </a:r>
+            <a:r>
+              <a:rPr lang="da-DK" dirty="0" err="1"/>
+              <a:t>our</a:t>
+            </a:r>
+            <a:r>
+              <a:rPr lang="da-DK" dirty="0"/>
+              <a:t> </a:t>
+            </a:r>
+            <a:r>
+              <a:rPr lang="da-DK" dirty="0" err="1"/>
+              <a:t>own</a:t>
+            </a:r>
+            <a:r>
+              <a:rPr lang="da-DK" dirty="0"/>
+              <a:t> super cool images </a:t>
+            </a:r>
+            <a:r>
+              <a:rPr lang="da-DK" dirty="0">
+                <a:sym typeface="Wingdings" panose="05000000000000000000" pitchFamily="2" charset="2"/>
+              </a:rPr>
+              <a:t></a:t>
+            </a:r>
+            <a:endParaRPr lang="da-DK" dirty="0"/>
+          </a:p>
+          <a:p>
+            <a:endParaRPr lang="da-DK" dirty="0"/>
+          </a:p>
+          <a:p>
+            <a:endParaRPr lang="da-DK" dirty="0"/>
           </a:p>
         </p:txBody>
       </p:sp>

--- a/pitch/enchancedPP.pptx
+++ b/pitch/enchancedPP.pptx
@@ -12,7 +12,7 @@
   </p:handoutMasterIdLst>
   <p:sldIdLst>
     <p:sldId id="261" r:id="rId2"/>
-    <p:sldId id="262" r:id="rId3"/>
+    <p:sldId id="268" r:id="rId3"/>
     <p:sldId id="258" r:id="rId4"/>
     <p:sldId id="265" r:id="rId5"/>
     <p:sldId id="267" r:id="rId6"/>
@@ -1737,7 +1737,7 @@
             <a:fld id="{78417F83-4CBA-48F2-BAD0-783AE3701E32}" type="datetimeFigureOut">
               <a:rPr lang="da-DK" smtClean="0"/>
               <a:pPr/>
-              <a:t>14-11-2022</a:t>
+              <a:t>15-11-2022</a:t>
             </a:fld>
             <a:r>
               <a:rPr lang="da-DK" dirty="0"/>
@@ -1947,7 +1947,7 @@
             <a:fld id="{78417F83-4CBA-48F2-BAD0-783AE3701E32}" type="datetimeFigureOut">
               <a:rPr lang="da-DK" smtClean="0"/>
               <a:pPr/>
-              <a:t>14-11-2022</a:t>
+              <a:t>15-11-2022</a:t>
             </a:fld>
             <a:r>
               <a:rPr lang="da-DK" dirty="0"/>
@@ -2188,7 +2188,7 @@
             <a:fld id="{78417F83-4CBA-48F2-BAD0-783AE3701E32}" type="datetimeFigureOut">
               <a:rPr lang="da-DK" smtClean="0"/>
               <a:pPr/>
-              <a:t>14-11-2022</a:t>
+              <a:t>15-11-2022</a:t>
             </a:fld>
             <a:r>
               <a:rPr lang="da-DK" dirty="0"/>
@@ -2358,7 +2358,7 @@
             <a:fld id="{78417F83-4CBA-48F2-BAD0-783AE3701E32}" type="datetimeFigureOut">
               <a:rPr lang="da-DK" smtClean="0"/>
               <a:pPr/>
-              <a:t>14-11-2022</a:t>
+              <a:t>15-11-2022</a:t>
             </a:fld>
             <a:r>
               <a:rPr lang="da-DK" dirty="0"/>
@@ -2532,7 +2532,7 @@
             <a:fld id="{78417F83-4CBA-48F2-BAD0-783AE3701E32}" type="datetimeFigureOut">
               <a:rPr lang="da-DK" smtClean="0"/>
               <a:pPr/>
-              <a:t>14-11-2022</a:t>
+              <a:t>15-11-2022</a:t>
             </a:fld>
             <a:r>
               <a:rPr lang="da-DK" dirty="0"/>
@@ -2869,7 +2869,7 @@
             <a:fld id="{78417F83-4CBA-48F2-BAD0-783AE3701E32}" type="datetimeFigureOut">
               <a:rPr lang="da-DK" smtClean="0"/>
               <a:pPr/>
-              <a:t>14-11-2022</a:t>
+              <a:t>15-11-2022</a:t>
             </a:fld>
             <a:r>
               <a:rPr lang="da-DK" dirty="0"/>
@@ -3040,7 +3040,7 @@
             <a:fld id="{78417F83-4CBA-48F2-BAD0-783AE3701E32}" type="datetimeFigureOut">
               <a:rPr lang="da-DK" smtClean="0"/>
               <a:pPr/>
-              <a:t>14-11-2022</a:t>
+              <a:t>15-11-2022</a:t>
             </a:fld>
             <a:r>
               <a:rPr lang="da-DK" dirty="0"/>
@@ -3236,7 +3236,7 @@
             <a:fld id="{78417F83-4CBA-48F2-BAD0-783AE3701E32}" type="datetimeFigureOut">
               <a:rPr lang="da-DK" smtClean="0"/>
               <a:pPr/>
-              <a:t>14-11-2022</a:t>
+              <a:t>15-11-2022</a:t>
             </a:fld>
             <a:r>
               <a:rPr lang="da-DK" dirty="0"/>
@@ -3405,7 +3405,7 @@
             <a:fld id="{78417F83-4CBA-48F2-BAD0-783AE3701E32}" type="datetimeFigureOut">
               <a:rPr lang="da-DK" smtClean="0"/>
               <a:pPr/>
-              <a:t>14-11-2022</a:t>
+              <a:t>15-11-2022</a:t>
             </a:fld>
             <a:r>
               <a:rPr lang="da-DK" dirty="0"/>
@@ -3559,7 +3559,7 @@
             <a:fld id="{78417F83-4CBA-48F2-BAD0-783AE3701E32}" type="datetimeFigureOut">
               <a:rPr lang="da-DK" smtClean="0"/>
               <a:pPr/>
-              <a:t>14-11-2022</a:t>
+              <a:t>15-11-2022</a:t>
             </a:fld>
             <a:r>
               <a:rPr lang="da-DK" dirty="0"/>
@@ -4448,7 +4448,7 @@
             <a:fld id="{78417F83-4CBA-48F2-BAD0-783AE3701E32}" type="datetimeFigureOut">
               <a:rPr lang="da-DK" smtClean="0"/>
               <a:pPr/>
-              <a:t>14-11-2022</a:t>
+              <a:t>15-11-2022</a:t>
             </a:fld>
             <a:r>
               <a:rPr lang="da-DK" dirty="0"/>
@@ -5274,7 +5274,7 @@
             <a:fld id="{78417F83-4CBA-48F2-BAD0-783AE3701E32}" type="datetimeFigureOut">
               <a:rPr lang="da-DK" smtClean="0"/>
               <a:pPr/>
-              <a:t>14-11-2022</a:t>
+              <a:t>15-11-2022</a:t>
             </a:fld>
             <a:r>
               <a:rPr lang="da-DK" dirty="0"/>
@@ -5504,7 +5504,7 @@
             <a:fld id="{78417F83-4CBA-48F2-BAD0-783AE3701E32}" type="datetimeFigureOut">
               <a:rPr lang="da-DK" smtClean="0"/>
               <a:pPr/>
-              <a:t>14-11-2022</a:t>
+              <a:t>15-11-2022</a:t>
             </a:fld>
             <a:r>
               <a:rPr lang="da-DK" dirty="0"/>
@@ -6220,7 +6220,7 @@
             <a:fld id="{78417F83-4CBA-48F2-BAD0-783AE3701E32}" type="datetimeFigureOut">
               <a:rPr lang="da-DK" smtClean="0"/>
               <a:pPr/>
-              <a:t>14-11-2022</a:t>
+              <a:t>15-11-2022</a:t>
             </a:fld>
             <a:r>
               <a:rPr lang="da-DK" dirty="0"/>
@@ -6511,7 +6511,7 @@
             <a:fld id="{78417F83-4CBA-48F2-BAD0-783AE3701E32}" type="datetimeFigureOut">
               <a:rPr lang="da-DK" smtClean="0"/>
               <a:pPr/>
-              <a:t>14-11-2022</a:t>
+              <a:t>15-11-2022</a:t>
             </a:fld>
             <a:r>
               <a:rPr lang="da-DK" dirty="0"/>
@@ -6885,7 +6885,7 @@
             <a:fld id="{78417F83-4CBA-48F2-BAD0-783AE3701E32}" type="datetimeFigureOut">
               <a:rPr lang="da-DK" smtClean="0"/>
               <a:pPr/>
-              <a:t>14-11-2022</a:t>
+              <a:t>15-11-2022</a:t>
             </a:fld>
             <a:r>
               <a:rPr lang="da-DK" dirty="0"/>
@@ -7312,7 +7312,7 @@
             <a:fld id="{78417F83-4CBA-48F2-BAD0-783AE3701E32}" type="datetimeFigureOut">
               <a:rPr lang="da-DK" smtClean="0"/>
               <a:pPr/>
-              <a:t>14-11-2022</a:t>
+              <a:t>15-11-2022</a:t>
             </a:fld>
             <a:r>
               <a:rPr lang="da-DK" dirty="0"/>
@@ -7752,7 +7752,7 @@
             <a:fld id="{78417F83-4CBA-48F2-BAD0-783AE3701E32}" type="datetimeFigureOut">
               <a:rPr lang="da-DK" smtClean="0"/>
               <a:pPr/>
-              <a:t>14-11-2022</a:t>
+              <a:t>15-11-2022</a:t>
             </a:fld>
             <a:r>
               <a:rPr lang="da-DK" dirty="0"/>
@@ -7920,7 +7920,7 @@
             <a:fld id="{78417F83-4CBA-48F2-BAD0-783AE3701E32}" type="datetimeFigureOut">
               <a:rPr lang="da-DK" smtClean="0"/>
               <a:pPr/>
-              <a:t>14-11-2022</a:t>
+              <a:t>15-11-2022</a:t>
             </a:fld>
             <a:r>
               <a:rPr lang="da-DK" dirty="0"/>
@@ -8101,7 +8101,7 @@
             <a:fld id="{78417F83-4CBA-48F2-BAD0-783AE3701E32}" type="datetimeFigureOut">
               <a:rPr lang="da-DK" smtClean="0"/>
               <a:pPr/>
-              <a:t>14-11-2022</a:t>
+              <a:t>15-11-2022</a:t>
             </a:fld>
             <a:r>
               <a:rPr lang="da-DK" dirty="0"/>
@@ -8883,7 +8883,7 @@
             <a:fld id="{78417F83-4CBA-48F2-BAD0-783AE3701E32}" type="datetimeFigureOut">
               <a:rPr lang="da-DK" smtClean="0"/>
               <a:pPr/>
-              <a:t>14-11-2022</a:t>
+              <a:t>15-11-2022</a:t>
             </a:fld>
             <a:r>
               <a:rPr lang="da-DK"/>
@@ -9557,7 +9557,13 @@
       </p:grpSpPr>
       <p:sp>
         <p:nvSpPr>
-          <p:cNvPr id="3" name="Title 2"/>
+          <p:cNvPr id="2" name="Titel 1">
+            <a:extLst>
+              <a:ext uri="{FF2B5EF4-FFF2-40B4-BE49-F238E27FC236}">
+                <a16:creationId xmlns:a16="http://schemas.microsoft.com/office/drawing/2014/main" id="{96FA931D-26A1-4156-BCCE-2E5B5EBDE61D}"/>
+              </a:ext>
+            </a:extLst>
+          </p:cNvPr>
           <p:cNvSpPr>
             <a:spLocks noGrp="1"/>
           </p:cNvSpPr>
@@ -9571,8 +9577,8 @@
           <a:lstStyle/>
           <a:p>
             <a:r>
-              <a:rPr lang="da-DK" dirty="0" err="1"/>
-              <a:t>mOTIVATION</a:t>
+              <a:rPr lang="en-US" dirty="0"/>
+              <a:t>Motivation</a:t>
             </a:r>
             <a:endParaRPr lang="da-DK" dirty="0"/>
           </a:p>
@@ -9580,7 +9586,13 @@
       </p:sp>
       <p:sp>
         <p:nvSpPr>
-          <p:cNvPr id="5" name="Content Placeholder 4"/>
+          <p:cNvPr id="3" name="Pladsholder til indhold 2">
+            <a:extLst>
+              <a:ext uri="{FF2B5EF4-FFF2-40B4-BE49-F238E27FC236}">
+                <a16:creationId xmlns:a16="http://schemas.microsoft.com/office/drawing/2014/main" id="{C00F2D29-B319-4285-A4B7-66475534488F}"/>
+              </a:ext>
+            </a:extLst>
+          </p:cNvPr>
           <p:cNvSpPr>
             <a:spLocks noGrp="1"/>
           </p:cNvSpPr>
@@ -9766,24 +9778,47 @@
             </a:r>
           </a:p>
           <a:p>
-            <a:pPr marL="342900" indent="-342900">
-              <a:buFont typeface="Arial" panose="020B0604020202020204" pitchFamily="34" charset="0"/>
-              <a:buChar char="•"/>
-            </a:pPr>
             <a:endParaRPr lang="da-DK" dirty="0"/>
           </a:p>
-          <a:p>
+        </p:txBody>
+      </p:sp>
+      <p:sp>
+        <p:nvSpPr>
+          <p:cNvPr id="4" name="Pladsholder til dato 3">
+            <a:extLst>
+              <a:ext uri="{FF2B5EF4-FFF2-40B4-BE49-F238E27FC236}">
+                <a16:creationId xmlns:a16="http://schemas.microsoft.com/office/drawing/2014/main" id="{AA97D27F-456D-4D59-A521-43E92AC1A391}"/>
+              </a:ext>
+            </a:extLst>
+          </p:cNvPr>
+          <p:cNvSpPr>
+            <a:spLocks noGrp="1"/>
+          </p:cNvSpPr>
+          <p:nvPr>
+            <p:ph type="dt" sz="half" idx="10"/>
+          </p:nvPr>
+        </p:nvSpPr>
+        <p:spPr/>
+        <p:txBody>
+          <a:bodyPr/>
+          <a:lstStyle/>
+          <a:p>
+            <a:fld id="{FC71DA16-75ED-4F60-B6BF-FE877D5CD3DB}" type="datetime1">
+              <a:rPr lang="da-DK" smtClean="0"/>
+              <a:t>15-11-2022</a:t>
+            </a:fld>
+            <a:r>
+              <a:rPr lang="da-DK"/>
+              <a:t>14-11-2022</a:t>
+            </a:r>
             <a:endParaRPr lang="da-DK" dirty="0"/>
           </a:p>
         </p:txBody>
       </p:sp>
     </p:spTree>
-    <p:custDataLst>
-      <p:tags r:id="rId1"/>
-    </p:custDataLst>
     <p:extLst>
       <p:ext uri="{BB962C8B-B14F-4D97-AF65-F5344CB8AC3E}">
-        <p14:creationId xmlns:p14="http://schemas.microsoft.com/office/powerpoint/2010/main" val="2813365767"/>
+        <p14:creationId xmlns:p14="http://schemas.microsoft.com/office/powerpoint/2010/main" val="1346535516"/>
       </p:ext>
     </p:extLst>
   </p:cSld>
@@ -10004,7 +10039,7 @@
         </p:blipFill>
         <p:spPr>
           <a:xfrm>
-            <a:off x="1413892" y="3356992"/>
+            <a:off x="1197868" y="3356992"/>
             <a:ext cx="3032513" cy="3032513"/>
           </a:xfrm>
           <a:prstGeom prst="rect">
@@ -10129,7 +10164,7 @@
           <a:p>
             <a:fld id="{7A2CEE4F-5FEC-489E-AB82-02D10BBEA36D}" type="datetime1">
               <a:rPr lang="da-DK" smtClean="0"/>
-              <a:t>14-11-2022</a:t>
+              <a:t>15-11-2022</a:t>
             </a:fld>
             <a:r>
               <a:rPr lang="da-DK"/>
@@ -10487,7 +10522,7 @@
           <a:p>
             <a:fld id="{3B025E7B-D1F8-4DCB-B1F0-1BD9868F290D}" type="datetime1">
               <a:rPr lang="da-DK" smtClean="0"/>
-              <a:t>14-11-2022</a:t>
+              <a:t>15-11-2022</a:t>
             </a:fld>
             <a:r>
               <a:rPr lang="da-DK"/>
@@ -10793,7 +10828,7 @@
           <a:p>
             <a:fld id="{C10C5516-C3C6-48C1-B6A3-7B3752D6B759}" type="datetime1">
               <a:rPr lang="da-DK" smtClean="0"/>
-              <a:t>14-11-2022</a:t>
+              <a:t>15-11-2022</a:t>
             </a:fld>
             <a:r>
               <a:rPr lang="da-DK"/>
@@ -10857,17 +10892,11 @@
 
 <file path=ppt/tags/tag2.xml><?xml version="1.0" encoding="utf-8"?>
 <p:tagLst xmlns:a="http://schemas.openxmlformats.org/drawingml/2006/main" xmlns:r="http://schemas.openxmlformats.org/officeDocument/2006/relationships" xmlns:p="http://schemas.openxmlformats.org/presentationml/2006/main">
-  <p:tag name="TEMPLAFYSLIDEID" val="636235437374902238"/>
+  <p:tag name="TEMPLAFYSLIDEID" val="636235437375089291"/>
 </p:tagLst>
 </file>
 
 <file path=ppt/tags/tag3.xml><?xml version="1.0" encoding="utf-8"?>
-<p:tagLst xmlns:a="http://schemas.openxmlformats.org/drawingml/2006/main" xmlns:r="http://schemas.openxmlformats.org/officeDocument/2006/relationships" xmlns:p="http://schemas.openxmlformats.org/presentationml/2006/main">
-  <p:tag name="TEMPLAFYSLIDEID" val="636235437375089291"/>
-</p:tagLst>
-</file>
-
-<file path=ppt/tags/tag4.xml><?xml version="1.0" encoding="utf-8"?>
 <p:tagLst xmlns:a="http://schemas.openxmlformats.org/drawingml/2006/main" xmlns:r="http://schemas.openxmlformats.org/officeDocument/2006/relationships" xmlns:p="http://schemas.openxmlformats.org/presentationml/2006/main">
   <p:tag name="TEMPLAFYSLIDEID" val="636235437375566864"/>
 </p:tagLst>
